--- a/Design/OnTheFly.pptx
+++ b/Design/OnTheFly.pptx
@@ -112,7 +112,7 @@
   <p:extLst>
     <p:ext uri="{EFAFB233-063F-42B5-8137-9DF3F51BA10A}">
       <p15:sldGuideLst xmlns:p15="http://schemas.microsoft.com/office/powerpoint/2012/main">
-        <p15:guide id="1" orient="horz" pos="2160" userDrawn="1">
+        <p15:guide id="1" orient="horz" pos="2183" userDrawn="1">
           <p15:clr>
             <a:srgbClr val="A4A3A4"/>
           </p15:clr>
@@ -4013,105 +4013,13 @@
       </p:grpSpPr>
       <p:grpSp>
         <p:nvGrpSpPr>
-          <p:cNvPr id="8" name="Group 7"/>
-          <p:cNvGrpSpPr/>
-          <p:nvPr/>
-        </p:nvGrpSpPr>
-        <p:grpSpPr>
-          <a:xfrm>
-            <a:off x="-3" y="-152400"/>
-            <a:ext cx="12192003" cy="7111139"/>
-            <a:chOff x="-3" y="-67378"/>
-            <a:chExt cx="12192003" cy="7026117"/>
-          </a:xfrm>
-        </p:grpSpPr>
-        <p:pic>
-          <p:nvPicPr>
-            <p:cNvPr id="2" name="Picture 1"/>
-            <p:cNvPicPr>
-              <a:picLocks noChangeAspect="1"/>
-            </p:cNvPicPr>
-            <p:nvPr/>
-          </p:nvPicPr>
-          <p:blipFill rotWithShape="1">
-            <a:blip r:embed="rId3" cstate="print">
-              <a:extLst>
-                <a:ext uri="{28A0092B-C50C-407E-A947-70E740481C1C}">
-                  <a14:useLocalDpi xmlns:a14="http://schemas.microsoft.com/office/drawing/2010/main" val="0"/>
-                </a:ext>
-              </a:extLst>
-            </a:blip>
-            <a:srcRect t="14955"/>
-            <a:stretch/>
-          </p:blipFill>
-          <p:spPr>
-            <a:xfrm flipH="1">
-              <a:off x="0" y="-9624"/>
-              <a:ext cx="12192000" cy="6867624"/>
-            </a:xfrm>
-            <a:prstGeom prst="rect">
-              <a:avLst/>
-            </a:prstGeom>
-          </p:spPr>
-        </p:pic>
-        <p:sp>
-          <p:nvSpPr>
-            <p:cNvPr id="7" name="Rectangle 6"/>
-            <p:cNvSpPr/>
-            <p:nvPr/>
-          </p:nvSpPr>
-          <p:spPr>
-            <a:xfrm>
-              <a:off x="-3" y="-67378"/>
-              <a:ext cx="12192003" cy="7026117"/>
-            </a:xfrm>
-            <a:prstGeom prst="rect">
-              <a:avLst/>
-            </a:prstGeom>
-            <a:solidFill>
-              <a:schemeClr val="bg1">
-                <a:alpha val="40000"/>
-              </a:schemeClr>
-            </a:solidFill>
-            <a:ln>
-              <a:noFill/>
-            </a:ln>
-          </p:spPr>
-          <p:style>
-            <a:lnRef idx="2">
-              <a:schemeClr val="accent1">
-                <a:shade val="50000"/>
-              </a:schemeClr>
-            </a:lnRef>
-            <a:fillRef idx="1">
-              <a:schemeClr val="accent1"/>
-            </a:fillRef>
-            <a:effectRef idx="0">
-              <a:schemeClr val="accent1"/>
-            </a:effectRef>
-            <a:fontRef idx="minor">
-              <a:schemeClr val="lt1"/>
-            </a:fontRef>
-          </p:style>
-          <p:txBody>
-            <a:bodyPr rtlCol="1" anchor="ctr"/>
-            <a:lstStyle/>
-            <a:p>
-              <a:pPr algn="ctr"/>
-              <a:endParaRPr lang="he-IL" dirty="0"/>
-            </a:p>
-          </p:txBody>
-        </p:sp>
-      </p:grpSp>
-      <p:grpSp>
-        <p:nvGrpSpPr>
           <p:cNvPr id="14" name="Group 13"/>
           <p:cNvGrpSpPr/>
           <p:nvPr/>
         </p:nvGrpSpPr>
         <p:grpSpPr>
           <a:xfrm>
-            <a:off x="-33906" y="-125908"/>
+            <a:off x="-3" y="-86851"/>
             <a:ext cx="12192003" cy="7058409"/>
             <a:chOff x="-3657606" y="-142471"/>
             <a:chExt cx="12192003" cy="7026117"/>
@@ -4126,7 +4034,7 @@
             <p:nvPr/>
           </p:nvPicPr>
           <p:blipFill rotWithShape="1">
-            <a:blip r:embed="rId4" cstate="print">
+            <a:blip r:embed="rId3" cstate="print">
               <a:extLst>
                 <a:ext uri="{28A0092B-C50C-407E-A947-70E740481C1C}">
                   <a14:useLocalDpi xmlns:a14="http://schemas.microsoft.com/office/drawing/2010/main" val="0"/>
@@ -4195,227 +4103,6 @@
           </p:txBody>
         </p:sp>
       </p:grpSp>
-      <p:sp>
-        <p:nvSpPr>
-          <p:cNvPr id="16" name="TextBox 15"/>
-          <p:cNvSpPr txBox="1"/>
-          <p:nvPr/>
-        </p:nvSpPr>
-        <p:spPr>
-          <a:xfrm>
-            <a:off x="1534176" y="380284"/>
-            <a:ext cx="3618298" cy="1015663"/>
-          </a:xfrm>
-          <a:prstGeom prst="rect">
-            <a:avLst/>
-          </a:prstGeom>
-          <a:noFill/>
-        </p:spPr>
-        <p:txBody>
-          <a:bodyPr wrap="none" rtlCol="1">
-            <a:spAutoFit/>
-          </a:bodyPr>
-          <a:lstStyle/>
-          <a:p>
-            <a:pPr algn="l"/>
-            <a:r>
-              <a:rPr lang="en-US" sz="6000" dirty="0" err="1">
-                <a:solidFill>
-                  <a:schemeClr val="bg1"/>
-                </a:solidFill>
-                <a:effectLst>
-                  <a:outerShdw blurRad="50800" dist="38100" dir="2700000" algn="tl" rotWithShape="0">
-                    <a:prstClr val="black">
-                      <a:alpha val="40000"/>
-                    </a:prstClr>
-                  </a:outerShdw>
-                </a:effectLst>
-                <a:latin typeface="Century Gothic" panose="020B0502020202020204" pitchFamily="34" charset="0"/>
-              </a:rPr>
-              <a:t>OnThe</a:t>
-            </a:r>
-            <a:r>
-              <a:rPr lang="en-US" sz="6000" b="1" dirty="0" err="1">
-                <a:solidFill>
-                  <a:schemeClr val="bg1"/>
-                </a:solidFill>
-                <a:effectLst>
-                  <a:outerShdw blurRad="50800" dist="38100" dir="2700000" algn="tl" rotWithShape="0">
-                    <a:prstClr val="black">
-                      <a:alpha val="40000"/>
-                    </a:prstClr>
-                  </a:outerShdw>
-                </a:effectLst>
-                <a:latin typeface="Century Gothic" panose="020B0502020202020204" pitchFamily="34" charset="0"/>
-              </a:rPr>
-              <a:t>Fly</a:t>
-            </a:r>
-            <a:endParaRPr lang="he-IL" sz="6000" b="1" dirty="0">
-              <a:solidFill>
-                <a:schemeClr val="bg1"/>
-              </a:solidFill>
-              <a:effectLst>
-                <a:outerShdw blurRad="50800" dist="38100" dir="2700000" algn="tl" rotWithShape="0">
-                  <a:prstClr val="black">
-                    <a:alpha val="40000"/>
-                  </a:prstClr>
-                </a:outerShdw>
-              </a:effectLst>
-              <a:latin typeface="Century Gothic" panose="020B0502020202020204" pitchFamily="34" charset="0"/>
-            </a:endParaRPr>
-          </a:p>
-        </p:txBody>
-      </p:sp>
-      <p:grpSp>
-        <p:nvGrpSpPr>
-          <p:cNvPr id="17" name="Group 16"/>
-          <p:cNvGrpSpPr/>
-          <p:nvPr/>
-        </p:nvGrpSpPr>
-        <p:grpSpPr>
-          <a:xfrm>
-            <a:off x="203198" y="247497"/>
-            <a:ext cx="1320802" cy="1486828"/>
-            <a:chOff x="8120846" y="1227385"/>
-            <a:chExt cx="3534412" cy="3978687"/>
-          </a:xfrm>
-        </p:grpSpPr>
-        <p:sp>
-          <p:nvSpPr>
-            <p:cNvPr id="18" name="Chord 17"/>
-            <p:cNvSpPr/>
-            <p:nvPr/>
-          </p:nvSpPr>
-          <p:spPr>
-            <a:xfrm rot="5400000">
-              <a:off x="8226724" y="1227385"/>
-              <a:ext cx="3428534" cy="3428534"/>
-            </a:xfrm>
-            <a:prstGeom prst="chord">
-              <a:avLst>
-                <a:gd name="adj1" fmla="val 2476101"/>
-                <a:gd name="adj2" fmla="val 13931417"/>
-              </a:avLst>
-            </a:prstGeom>
-            <a:solidFill>
-              <a:srgbClr val="C00000"/>
-            </a:solidFill>
-            <a:ln>
-              <a:noFill/>
-            </a:ln>
-          </p:spPr>
-          <p:style>
-            <a:lnRef idx="2">
-              <a:schemeClr val="accent1">
-                <a:shade val="50000"/>
-              </a:schemeClr>
-            </a:lnRef>
-            <a:fillRef idx="1">
-              <a:schemeClr val="accent1"/>
-            </a:fillRef>
-            <a:effectRef idx="0">
-              <a:schemeClr val="accent1"/>
-            </a:effectRef>
-            <a:fontRef idx="minor">
-              <a:schemeClr val="lt1"/>
-            </a:fontRef>
-          </p:style>
-          <p:txBody>
-            <a:bodyPr rtlCol="1" anchor="ctr"/>
-            <a:lstStyle/>
-            <a:p>
-              <a:pPr algn="ctr"/>
-              <a:endParaRPr lang="he-IL"/>
-            </a:p>
-          </p:txBody>
-        </p:sp>
-        <p:sp>
-          <p:nvSpPr>
-            <p:cNvPr id="19" name="Chord 18"/>
-            <p:cNvSpPr/>
-            <p:nvPr/>
-          </p:nvSpPr>
-          <p:spPr>
-            <a:xfrm rot="16200000">
-              <a:off x="8120846" y="1777538"/>
-              <a:ext cx="3428534" cy="3428534"/>
-            </a:xfrm>
-            <a:prstGeom prst="chord">
-              <a:avLst>
-                <a:gd name="adj1" fmla="val 2476101"/>
-                <a:gd name="adj2" fmla="val 13931417"/>
-              </a:avLst>
-            </a:prstGeom>
-            <a:solidFill>
-              <a:srgbClr val="8E0000"/>
-            </a:solidFill>
-            <a:ln>
-              <a:noFill/>
-            </a:ln>
-          </p:spPr>
-          <p:style>
-            <a:lnRef idx="2">
-              <a:schemeClr val="accent1">
-                <a:shade val="50000"/>
-              </a:schemeClr>
-            </a:lnRef>
-            <a:fillRef idx="1">
-              <a:schemeClr val="accent1"/>
-            </a:fillRef>
-            <a:effectRef idx="0">
-              <a:schemeClr val="accent1"/>
-            </a:effectRef>
-            <a:fontRef idx="minor">
-              <a:schemeClr val="lt1"/>
-            </a:fontRef>
-          </p:style>
-          <p:txBody>
-            <a:bodyPr rtlCol="1" anchor="ctr"/>
-            <a:lstStyle/>
-            <a:p>
-              <a:pPr algn="ctr"/>
-              <a:endParaRPr lang="he-IL"/>
-            </a:p>
-          </p:txBody>
-        </p:sp>
-        <p:pic>
-          <p:nvPicPr>
-            <p:cNvPr id="20" name="Picture 19"/>
-            <p:cNvPicPr>
-              <a:picLocks noChangeAspect="1"/>
-            </p:cNvPicPr>
-            <p:nvPr/>
-          </p:nvPicPr>
-          <p:blipFill>
-            <a:blip r:embed="rId5">
-              <a:extLst>
-                <a:ext uri="{BEBA8EAE-BF5A-486C-A8C5-ECC9F3942E4B}">
-                  <a14:imgProps xmlns:a14="http://schemas.microsoft.com/office/drawing/2010/main">
-                    <a14:imgLayer r:embed="rId6">
-                      <a14:imgEffect>
-                        <a14:backgroundRemoval t="0" b="100000" l="0" r="100000"/>
-                      </a14:imgEffect>
-                    </a14:imgLayer>
-                  </a14:imgProps>
-                </a:ext>
-              </a:extLst>
-            </a:blip>
-            <a:stretch>
-              <a:fillRect/>
-            </a:stretch>
-          </p:blipFill>
-          <p:spPr>
-            <a:xfrm rot="19771925">
-              <a:off x="8624053" y="2122638"/>
-              <a:ext cx="2301304" cy="2301304"/>
-            </a:xfrm>
-            <a:prstGeom prst="rect">
-              <a:avLst/>
-            </a:prstGeom>
-            <a:effectLst/>
-          </p:spPr>
-        </p:pic>
-      </p:grpSp>
       <p:grpSp>
         <p:nvGrpSpPr>
           <p:cNvPr id="30" name="Group 29"/>
@@ -4424,7 +4111,7 @@
         </p:nvGrpSpPr>
         <p:grpSpPr>
           <a:xfrm>
-            <a:off x="-10175" y="-272452"/>
+            <a:off x="0" y="-308832"/>
             <a:ext cx="12202175" cy="7204953"/>
             <a:chOff x="0" y="-241300"/>
             <a:chExt cx="12202175" cy="7204953"/>
@@ -4453,7 +4140,7 @@
               <p:nvPr/>
             </p:nvPicPr>
             <p:blipFill rotWithShape="1">
-              <a:blip r:embed="rId7">
+              <a:blip r:embed="rId4">
                 <a:extLst>
                   <a:ext uri="{28A0092B-C50C-407E-A947-70E740481C1C}">
                     <a14:useLocalDpi xmlns:a14="http://schemas.microsoft.com/office/drawing/2010/main" val="0"/>
@@ -4482,7 +4169,7 @@
             <p:spPr>
               <a:xfrm>
                 <a:off x="-5086254" y="251477"/>
-                <a:ext cx="12192003" cy="7026117"/>
+                <a:ext cx="12192003" cy="7026116"/>
               </a:xfrm>
               <a:prstGeom prst="rect">
                 <a:avLst/>
@@ -4751,7 +4438,7 @@
           </p:nvSpPr>
           <p:spPr>
             <a:xfrm>
-              <a:off x="34026" y="6034093"/>
+              <a:off x="81031" y="6011432"/>
               <a:ext cx="12050283" cy="830997"/>
             </a:xfrm>
             <a:prstGeom prst="rect">
@@ -4769,7 +4456,7 @@
               <a:r>
                 <a:rPr lang="en-US" sz="2400" b="1" dirty="0" smtClean="0">
                   <a:solidFill>
-                    <a:srgbClr val="FF0000"/>
+                    <a:srgbClr val="AC0000"/>
                   </a:solidFill>
                   <a:latin typeface="Century Gothic" panose="020B0502020202020204" pitchFamily="34" charset="0"/>
                 </a:rPr>
@@ -4778,7 +4465,7 @@
               <a:r>
                 <a:rPr lang="en-US" sz="2400" dirty="0" smtClean="0">
                   <a:solidFill>
-                    <a:srgbClr val="FF0000"/>
+                    <a:srgbClr val="AC0000"/>
                   </a:solidFill>
                   <a:latin typeface="Century Gothic" panose="020B0502020202020204" pitchFamily="34" charset="0"/>
                 </a:rPr>
@@ -4787,7 +4474,7 @@
               <a:r>
                 <a:rPr lang="en-US" sz="2400" dirty="0">
                   <a:solidFill>
-                    <a:srgbClr val="FF0000"/>
+                    <a:srgbClr val="AC0000"/>
                   </a:solidFill>
                   <a:latin typeface="Century Gothic" panose="020B0502020202020204" pitchFamily="34" charset="0"/>
                 </a:rPr>
@@ -4796,7 +4483,7 @@
               <a:r>
                 <a:rPr lang="en-US" sz="2400" dirty="0" smtClean="0">
                   <a:solidFill>
-                    <a:srgbClr val="FF0000"/>
+                    <a:srgbClr val="AC0000"/>
                   </a:solidFill>
                   <a:latin typeface="Century Gothic" panose="020B0502020202020204" pitchFamily="34" charset="0"/>
                 </a:rPr>
@@ -4805,7 +4492,7 @@
               <a:r>
                 <a:rPr lang="en-US" sz="2400" dirty="0">
                   <a:solidFill>
-                    <a:srgbClr val="FF0000"/>
+                    <a:srgbClr val="AC0000"/>
                   </a:solidFill>
                   <a:latin typeface="Century Gothic" panose="020B0502020202020204" pitchFamily="34" charset="0"/>
                 </a:rPr>
@@ -4814,7 +4501,7 @@
               <a:r>
                 <a:rPr lang="en-US" sz="2400" b="1" dirty="0">
                   <a:solidFill>
-                    <a:srgbClr val="FF0000"/>
+                    <a:srgbClr val="AC0000"/>
                   </a:solidFill>
                   <a:latin typeface="Century Gothic" panose="020B0502020202020204" pitchFamily="34" charset="0"/>
                 </a:rPr>
@@ -4823,7 +4510,7 @@
               <a:r>
                 <a:rPr lang="en-US" sz="2400" dirty="0">
                   <a:solidFill>
-                    <a:srgbClr val="FF0000"/>
+                    <a:srgbClr val="AC0000"/>
                   </a:solidFill>
                   <a:latin typeface="Century Gothic" panose="020B0502020202020204" pitchFamily="34" charset="0"/>
                 </a:rPr>
@@ -4832,7 +4519,7 @@
               <a:r>
                 <a:rPr lang="en-US" sz="2400" b="1" dirty="0">
                   <a:solidFill>
-                    <a:srgbClr val="FF0000"/>
+                    <a:srgbClr val="AC0000"/>
                   </a:solidFill>
                   <a:latin typeface="Century Gothic" panose="020B0502020202020204" pitchFamily="34" charset="0"/>
                 </a:rPr>
@@ -4841,7 +4528,7 @@
               <a:r>
                 <a:rPr lang="en-US" sz="2400" dirty="0">
                   <a:solidFill>
-                    <a:srgbClr val="FF0000"/>
+                    <a:srgbClr val="AC0000"/>
                   </a:solidFill>
                   <a:latin typeface="Century Gothic" panose="020B0502020202020204" pitchFamily="34" charset="0"/>
                 </a:rPr>
@@ -4850,7 +4537,7 @@
               <a:r>
                 <a:rPr lang="en-US" sz="2400" b="1" dirty="0">
                   <a:solidFill>
-                    <a:srgbClr val="FF0000"/>
+                    <a:srgbClr val="AC0000"/>
                   </a:solidFill>
                   <a:latin typeface="Century Gothic" panose="020B0502020202020204" pitchFamily="34" charset="0"/>
                 </a:rPr>
@@ -4859,7 +4546,7 @@
               <a:r>
                 <a:rPr lang="he-IL" sz="2400" dirty="0" smtClean="0">
                   <a:solidFill>
-                    <a:srgbClr val="FF0000"/>
+                    <a:srgbClr val="AC0000"/>
                   </a:solidFill>
                   <a:latin typeface="Century Gothic" panose="020B0502020202020204" pitchFamily="34" charset="0"/>
                 </a:rPr>
@@ -4867,7 +4554,7 @@
               </a:r>
               <a:endParaRPr lang="en-US" sz="2400" dirty="0">
                 <a:solidFill>
-                  <a:srgbClr val="FF0000"/>
+                  <a:srgbClr val="AC0000"/>
                 </a:solidFill>
                 <a:latin typeface="Century Gothic" panose="020B0502020202020204" pitchFamily="34" charset="0"/>
               </a:endParaRPr>
@@ -4931,7 +4618,7 @@
                                           </p:stCondLst>
                                         </p:cTn>
                                         <p:tgtEl>
-                                          <p:spTgt spid="14"/>
+                                          <p:spTgt spid="30"/>
                                         </p:tgtEl>
                                         <p:attrNameLst>
                                           <p:attrName>style.visibility</p:attrName>
@@ -4944,59 +4631,6 @@
                                     <p:animEffect transition="in" filter="fade">
                                       <p:cBhvr>
                                         <p:cTn id="7" dur="1500"/>
-                                        <p:tgtEl>
-                                          <p:spTgt spid="14"/>
-                                        </p:tgtEl>
-                                      </p:cBhvr>
-                                    </p:animEffect>
-                                  </p:childTnLst>
-                                </p:cTn>
-                              </p:par>
-                            </p:childTnLst>
-                          </p:cTn>
-                        </p:par>
-                      </p:childTnLst>
-                    </p:cTn>
-                  </p:par>
-                  <p:par>
-                    <p:cTn id="8" fill="hold">
-                      <p:stCondLst>
-                        <p:cond delay="indefinite"/>
-                      </p:stCondLst>
-                      <p:childTnLst>
-                        <p:par>
-                          <p:cTn id="9" fill="hold">
-                            <p:stCondLst>
-                              <p:cond delay="0"/>
-                            </p:stCondLst>
-                            <p:childTnLst>
-                              <p:par>
-                                <p:cTn id="10" presetID="10" presetClass="entr" presetSubtype="0" fill="hold" nodeType="clickEffect">
-                                  <p:stCondLst>
-                                    <p:cond delay="0"/>
-                                  </p:stCondLst>
-                                  <p:childTnLst>
-                                    <p:set>
-                                      <p:cBhvr>
-                                        <p:cTn id="11" dur="1" fill="hold">
-                                          <p:stCondLst>
-                                            <p:cond delay="0"/>
-                                          </p:stCondLst>
-                                        </p:cTn>
-                                        <p:tgtEl>
-                                          <p:spTgt spid="30"/>
-                                        </p:tgtEl>
-                                        <p:attrNameLst>
-                                          <p:attrName>style.visibility</p:attrName>
-                                        </p:attrNameLst>
-                                      </p:cBhvr>
-                                      <p:to>
-                                        <p:strVal val="visible"/>
-                                      </p:to>
-                                    </p:set>
-                                    <p:animEffect transition="in" filter="fade">
-                                      <p:cBhvr>
-                                        <p:cTn id="12" dur="1500"/>
                                         <p:tgtEl>
                                           <p:spTgt spid="30"/>
                                         </p:tgtEl>
@@ -5143,36 +4777,6 @@
       </p:pic>
       <p:pic>
         <p:nvPicPr>
-          <p:cNvPr id="6" name="Picture 5"/>
-          <p:cNvPicPr>
-            <a:picLocks noChangeAspect="1"/>
-          </p:cNvPicPr>
-          <p:nvPr/>
-        </p:nvPicPr>
-        <p:blipFill>
-          <a:blip r:embed="rId4">
-            <a:extLst>
-              <a:ext uri="{28A0092B-C50C-407E-A947-70E740481C1C}">
-                <a14:useLocalDpi xmlns:a14="http://schemas.microsoft.com/office/drawing/2010/main" val="0"/>
-              </a:ext>
-            </a:extLst>
-          </a:blip>
-          <a:stretch>
-            <a:fillRect/>
-          </a:stretch>
-        </p:blipFill>
-        <p:spPr>
-          <a:xfrm>
-            <a:off x="3759199" y="451134"/>
-            <a:ext cx="8108719" cy="6184616"/>
-          </a:xfrm>
-          <a:prstGeom prst="rect">
-            <a:avLst/>
-          </a:prstGeom>
-        </p:spPr>
-      </p:pic>
-      <p:pic>
-        <p:nvPicPr>
           <p:cNvPr id="7" name="Picture 6"/>
           <p:cNvPicPr>
             <a:picLocks noChangeAspect="1"/>
@@ -5229,9 +4833,83 @@
           </a:prstGeom>
         </p:spPr>
       </p:pic>
+      <p:grpSp>
+        <p:nvGrpSpPr>
+          <p:cNvPr id="19" name="Group 18"/>
+          <p:cNvGrpSpPr/>
+          <p:nvPr/>
+        </p:nvGrpSpPr>
+        <p:grpSpPr>
+          <a:xfrm>
+            <a:off x="3759199" y="451134"/>
+            <a:ext cx="8108719" cy="6184616"/>
+            <a:chOff x="3759199" y="451134"/>
+            <a:chExt cx="8108719" cy="6184616"/>
+          </a:xfrm>
+        </p:grpSpPr>
+        <p:pic>
+          <p:nvPicPr>
+            <p:cNvPr id="6" name="Picture 5"/>
+            <p:cNvPicPr>
+              <a:picLocks noChangeAspect="1"/>
+            </p:cNvPicPr>
+            <p:nvPr/>
+          </p:nvPicPr>
+          <p:blipFill>
+            <a:blip r:embed="rId4">
+              <a:extLst>
+                <a:ext uri="{28A0092B-C50C-407E-A947-70E740481C1C}">
+                  <a14:useLocalDpi xmlns:a14="http://schemas.microsoft.com/office/drawing/2010/main" val="0"/>
+                </a:ext>
+              </a:extLst>
+            </a:blip>
+            <a:stretch>
+              <a:fillRect/>
+            </a:stretch>
+          </p:blipFill>
+          <p:spPr>
+            <a:xfrm>
+              <a:off x="3759199" y="451134"/>
+              <a:ext cx="8108719" cy="6184616"/>
+            </a:xfrm>
+            <a:prstGeom prst="rect">
+              <a:avLst/>
+            </a:prstGeom>
+          </p:spPr>
+        </p:pic>
+        <p:pic>
+          <p:nvPicPr>
+            <p:cNvPr id="3" name="Picture 2"/>
+            <p:cNvPicPr>
+              <a:picLocks noChangeAspect="1"/>
+            </p:cNvPicPr>
+            <p:nvPr/>
+          </p:nvPicPr>
+          <p:blipFill rotWithShape="1">
+            <a:blip r:embed="rId5">
+              <a:extLst>
+                <a:ext uri="{28A0092B-C50C-407E-A947-70E740481C1C}">
+                  <a14:useLocalDpi xmlns:a14="http://schemas.microsoft.com/office/drawing/2010/main" val="0"/>
+                </a:ext>
+              </a:extLst>
+            </a:blip>
+            <a:srcRect r="1141"/>
+            <a:stretch/>
+          </p:blipFill>
+          <p:spPr>
+            <a:xfrm>
+              <a:off x="4045180" y="760300"/>
+              <a:ext cx="7589101" cy="4210534"/>
+            </a:xfrm>
+            <a:prstGeom prst="rect">
+              <a:avLst/>
+            </a:prstGeom>
+          </p:spPr>
+        </p:pic>
+      </p:grpSp>
       <p:pic>
         <p:nvPicPr>
-          <p:cNvPr id="9" name="Picture 8"/>
+          <p:cNvPr id="20" name="Picture 19"/>
           <p:cNvPicPr>
             <a:picLocks noChangeAspect="1"/>
           </p:cNvPicPr>
@@ -5251,7 +4929,7 @@
         </p:blipFill>
         <p:spPr>
           <a:xfrm>
-            <a:off x="0" y="0"/>
+            <a:off x="-1321" y="-15560"/>
             <a:ext cx="12192000" cy="6858000"/>
           </a:xfrm>
           <a:prstGeom prst="rect">
@@ -5261,13 +4939,86 @@
       </p:pic>
       <p:grpSp>
         <p:nvGrpSpPr>
-          <p:cNvPr id="18" name="Group 17"/>
+          <p:cNvPr id="35" name="Group 34"/>
           <p:cNvGrpSpPr/>
           <p:nvPr/>
         </p:nvGrpSpPr>
         <p:grpSpPr>
           <a:xfrm>
-            <a:off x="-3" y="-67378"/>
+            <a:off x="483133" y="-15560"/>
+            <a:ext cx="11384785" cy="6892610"/>
+            <a:chOff x="483133" y="-15560"/>
+            <a:chExt cx="11384785" cy="6892610"/>
+          </a:xfrm>
+        </p:grpSpPr>
+        <p:pic>
+          <p:nvPicPr>
+            <p:cNvPr id="32" name="Picture 31"/>
+            <p:cNvPicPr>
+              <a:picLocks noChangeAspect="1"/>
+            </p:cNvPicPr>
+            <p:nvPr/>
+          </p:nvPicPr>
+          <p:blipFill rotWithShape="1">
+            <a:blip r:embed="rId4">
+              <a:extLst>
+                <a:ext uri="{28A0092B-C50C-407E-A947-70E740481C1C}">
+                  <a14:useLocalDpi xmlns:a14="http://schemas.microsoft.com/office/drawing/2010/main" val="0"/>
+                </a:ext>
+              </a:extLst>
+            </a:blip>
+            <a:srcRect b="20622"/>
+            <a:stretch/>
+          </p:blipFill>
+          <p:spPr>
+            <a:xfrm>
+              <a:off x="483133" y="-15560"/>
+              <a:ext cx="11384785" cy="6892610"/>
+            </a:xfrm>
+            <a:prstGeom prst="rect">
+              <a:avLst/>
+            </a:prstGeom>
+          </p:spPr>
+        </p:pic>
+        <p:pic>
+          <p:nvPicPr>
+            <p:cNvPr id="34" name="Picture 33"/>
+            <p:cNvPicPr>
+              <a:picLocks noChangeAspect="1"/>
+            </p:cNvPicPr>
+            <p:nvPr/>
+          </p:nvPicPr>
+          <p:blipFill rotWithShape="1">
+            <a:blip r:embed="rId6">
+              <a:extLst>
+                <a:ext uri="{28A0092B-C50C-407E-A947-70E740481C1C}">
+                  <a14:useLocalDpi xmlns:a14="http://schemas.microsoft.com/office/drawing/2010/main" val="0"/>
+                </a:ext>
+              </a:extLst>
+            </a:blip>
+            <a:srcRect t="746"/>
+            <a:stretch/>
+          </p:blipFill>
+          <p:spPr>
+            <a:xfrm>
+              <a:off x="944657" y="431800"/>
+              <a:ext cx="10523443" cy="5859529"/>
+            </a:xfrm>
+            <a:prstGeom prst="rect">
+              <a:avLst/>
+            </a:prstGeom>
+          </p:spPr>
+        </p:pic>
+      </p:grpSp>
+      <p:grpSp>
+        <p:nvGrpSpPr>
+          <p:cNvPr id="36" name="Group 35"/>
+          <p:cNvGrpSpPr/>
+          <p:nvPr/>
+        </p:nvGrpSpPr>
+        <p:grpSpPr>
+          <a:xfrm>
+            <a:off x="-2642" y="-99619"/>
             <a:ext cx="12192003" cy="7026118"/>
             <a:chOff x="-3" y="-67378"/>
             <a:chExt cx="12192003" cy="7026118"/>
@@ -5275,7 +5026,7 @@
         </p:grpSpPr>
         <p:grpSp>
           <p:nvGrpSpPr>
-            <p:cNvPr id="10" name="Group 9"/>
+            <p:cNvPr id="37" name="Group 36"/>
             <p:cNvGrpSpPr/>
             <p:nvPr/>
           </p:nvGrpSpPr>
@@ -5289,14 +5040,14 @@
           </p:grpSpPr>
           <p:pic>
             <p:nvPicPr>
-              <p:cNvPr id="11" name="Picture 2" descr="http://upload.wikimedia.org/wikipedia/commons/8/8d/Kolkata_Airport_New_Terminal_gate_waiting_area.jpeg"/>
+              <p:cNvPr id="43" name="Picture 2" descr="http://upload.wikimedia.org/wikipedia/commons/8/8d/Kolkata_Airport_New_Terminal_gate_waiting_area.jpeg"/>
               <p:cNvPicPr>
                 <a:picLocks noChangeAspect="1" noChangeArrowheads="1"/>
               </p:cNvPicPr>
               <p:nvPr/>
             </p:nvPicPr>
             <p:blipFill rotWithShape="1">
-              <a:blip r:embed="rId5" cstate="print">
+              <a:blip r:embed="rId7" cstate="print">
                 <a:extLst>
                   <a:ext uri="{28A0092B-C50C-407E-A947-70E740481C1C}">
                     <a14:useLocalDpi xmlns:a14="http://schemas.microsoft.com/office/drawing/2010/main" val="0"/>
@@ -5328,7 +5079,7 @@
           </p:pic>
           <p:sp>
             <p:nvSpPr>
-              <p:cNvPr id="12" name="Rectangle 11"/>
+              <p:cNvPr id="44" name="Rectangle 43"/>
               <p:cNvSpPr/>
               <p:nvPr/>
             </p:nvSpPr>
@@ -5377,7 +5128,7 @@
         </p:grpSp>
         <p:sp>
           <p:nvSpPr>
-            <p:cNvPr id="13" name="TextBox 12"/>
+            <p:cNvPr id="38" name="TextBox 37"/>
             <p:cNvSpPr txBox="1"/>
             <p:nvPr/>
           </p:nvSpPr>
@@ -5448,7 +5199,7 @@
         </p:sp>
         <p:grpSp>
           <p:nvGrpSpPr>
-            <p:cNvPr id="14" name="Group 13"/>
+            <p:cNvPr id="39" name="Group 38"/>
             <p:cNvGrpSpPr/>
             <p:nvPr/>
           </p:nvGrpSpPr>
@@ -5462,7 +5213,7 @@
           </p:grpSpPr>
           <p:sp>
             <p:nvSpPr>
-              <p:cNvPr id="15" name="Chord 14"/>
+              <p:cNvPr id="40" name="Chord 39"/>
               <p:cNvSpPr/>
               <p:nvPr/>
             </p:nvSpPr>
@@ -5511,7 +5262,7 @@
           </p:sp>
           <p:sp>
             <p:nvSpPr>
-              <p:cNvPr id="16" name="Chord 15"/>
+              <p:cNvPr id="41" name="Chord 40"/>
               <p:cNvSpPr/>
               <p:nvPr/>
             </p:nvSpPr>
@@ -5560,18 +5311,18 @@
           </p:sp>
           <p:pic>
             <p:nvPicPr>
-              <p:cNvPr id="17" name="Picture 16"/>
+              <p:cNvPr id="42" name="Picture 41"/>
               <p:cNvPicPr>
                 <a:picLocks noChangeAspect="1"/>
               </p:cNvPicPr>
               <p:nvPr/>
             </p:nvPicPr>
             <p:blipFill>
-              <a:blip r:embed="rId6">
+              <a:blip r:embed="rId8">
                 <a:extLst>
                   <a:ext uri="{BEBA8EAE-BF5A-486C-A8C5-ECC9F3942E4B}">
                     <a14:imgProps xmlns:a14="http://schemas.microsoft.com/office/drawing/2010/main">
-                      <a14:imgLayer r:embed="rId7">
+                      <a14:imgLayer r:embed="rId9">
                         <a14:imgEffect>
                           <a14:backgroundRemoval t="0" b="100000" l="0" r="100000"/>
                         </a14:imgEffect>
@@ -5653,7 +5404,7 @@
                                           </p:stCondLst>
                                         </p:cTn>
                                         <p:tgtEl>
-                                          <p:spTgt spid="9"/>
+                                          <p:spTgt spid="20"/>
                                         </p:tgtEl>
                                         <p:attrNameLst>
                                           <p:attrName>style.visibility</p:attrName>
@@ -5667,7 +5418,7 @@
                                       <p:cBhvr>
                                         <p:cTn id="7" dur="1500"/>
                                         <p:tgtEl>
-                                          <p:spTgt spid="9"/>
+                                          <p:spTgt spid="20"/>
                                         </p:tgtEl>
                                       </p:cBhvr>
                                     </p:animEffect>
@@ -5706,7 +5457,7 @@
                                           </p:stCondLst>
                                         </p:cTn>
                                         <p:tgtEl>
-                                          <p:spTgt spid="18"/>
+                                          <p:spTgt spid="35"/>
                                         </p:tgtEl>
                                         <p:attrNameLst>
                                           <p:attrName>style.visibility</p:attrName>
@@ -5720,7 +5471,60 @@
                                       <p:cBhvr>
                                         <p:cTn id="12" dur="1500"/>
                                         <p:tgtEl>
-                                          <p:spTgt spid="18"/>
+                                          <p:spTgt spid="35"/>
+                                        </p:tgtEl>
+                                      </p:cBhvr>
+                                    </p:animEffect>
+                                  </p:childTnLst>
+                                </p:cTn>
+                              </p:par>
+                            </p:childTnLst>
+                          </p:cTn>
+                        </p:par>
+                      </p:childTnLst>
+                    </p:cTn>
+                  </p:par>
+                  <p:par>
+                    <p:cTn id="13" fill="hold">
+                      <p:stCondLst>
+                        <p:cond delay="indefinite"/>
+                      </p:stCondLst>
+                      <p:childTnLst>
+                        <p:par>
+                          <p:cTn id="14" fill="hold">
+                            <p:stCondLst>
+                              <p:cond delay="0"/>
+                            </p:stCondLst>
+                            <p:childTnLst>
+                              <p:par>
+                                <p:cTn id="15" presetID="10" presetClass="entr" presetSubtype="0" fill="hold" nodeType="clickEffect">
+                                  <p:stCondLst>
+                                    <p:cond delay="0"/>
+                                  </p:stCondLst>
+                                  <p:childTnLst>
+                                    <p:set>
+                                      <p:cBhvr>
+                                        <p:cTn id="16" dur="1" fill="hold">
+                                          <p:stCondLst>
+                                            <p:cond delay="0"/>
+                                          </p:stCondLst>
+                                        </p:cTn>
+                                        <p:tgtEl>
+                                          <p:spTgt spid="36"/>
+                                        </p:tgtEl>
+                                        <p:attrNameLst>
+                                          <p:attrName>style.visibility</p:attrName>
+                                        </p:attrNameLst>
+                                      </p:cBhvr>
+                                      <p:to>
+                                        <p:strVal val="visible"/>
+                                      </p:to>
+                                    </p:set>
+                                    <p:animEffect transition="in" filter="fade">
+                                      <p:cBhvr>
+                                        <p:cTn id="17" dur="1500"/>
+                                        <p:tgtEl>
+                                          <p:spTgt spid="36"/>
                                         </p:tgtEl>
                                       </p:cBhvr>
                                     </p:animEffect>
